--- a/Prezentace/2. ročník/Logické úlohy.pptx
+++ b/Prezentace/2. ročník/Logické úlohy.pptx
@@ -118,6 +118,11 @@
       </a:defRPr>
     </a:lvl9pPr>
   </p:defaultTextStyle>
+  <p:extLst>
+    <p:ext uri="{EFAFB233-063F-42B5-8137-9DF3F51BA10A}">
+      <p15:sldGuideLst xmlns:p15="http://schemas.microsoft.com/office/powerpoint/2012/main"/>
+    </p:ext>
+  </p:extLst>
 </p:presentation>
 </file>
 
@@ -294,7 +299,7 @@
           <a:p>
             <a:fld id="{E0B5E809-82C1-43DB-91F2-B778E20AD69D}" type="datetimeFigureOut">
               <a:rPr lang="cs-CZ" smtClean="0"/>
-              <a:t>06.09.2021</a:t>
+              <a:t>06.10.2021</a:t>
             </a:fld>
             <a:endParaRPr lang="cs-CZ"/>
           </a:p>
@@ -624,7 +629,7 @@
           <a:p>
             <a:fld id="{E0B5E809-82C1-43DB-91F2-B778E20AD69D}" type="datetimeFigureOut">
               <a:rPr lang="cs-CZ" smtClean="0"/>
-              <a:t>06.09.2021</a:t>
+              <a:t>06.10.2021</a:t>
             </a:fld>
             <a:endParaRPr lang="cs-CZ"/>
           </a:p>
@@ -804,7 +809,7 @@
           <a:p>
             <a:fld id="{E0B5E809-82C1-43DB-91F2-B778E20AD69D}" type="datetimeFigureOut">
               <a:rPr lang="cs-CZ" smtClean="0"/>
-              <a:t>06.09.2021</a:t>
+              <a:t>06.10.2021</a:t>
             </a:fld>
             <a:endParaRPr lang="cs-CZ"/>
           </a:p>
@@ -974,7 +979,7 @@
           <a:p>
             <a:fld id="{E0B5E809-82C1-43DB-91F2-B778E20AD69D}" type="datetimeFigureOut">
               <a:rPr lang="cs-CZ" smtClean="0"/>
-              <a:t>06.09.2021</a:t>
+              <a:t>06.10.2021</a:t>
             </a:fld>
             <a:endParaRPr lang="cs-CZ"/>
           </a:p>
@@ -1251,7 +1256,7 @@
           <a:p>
             <a:fld id="{E0B5E809-82C1-43DB-91F2-B778E20AD69D}" type="datetimeFigureOut">
               <a:rPr lang="cs-CZ" smtClean="0"/>
-              <a:t>06.09.2021</a:t>
+              <a:t>06.10.2021</a:t>
             </a:fld>
             <a:endParaRPr lang="cs-CZ"/>
           </a:p>
@@ -1645,7 +1650,7 @@
           <a:p>
             <a:fld id="{E0B5E809-82C1-43DB-91F2-B778E20AD69D}" type="datetimeFigureOut">
               <a:rPr lang="cs-CZ" smtClean="0"/>
-              <a:t>06.09.2021</a:t>
+              <a:t>06.10.2021</a:t>
             </a:fld>
             <a:endParaRPr lang="cs-CZ"/>
           </a:p>
@@ -2122,7 +2127,7 @@
           <a:p>
             <a:fld id="{E0B5E809-82C1-43DB-91F2-B778E20AD69D}" type="datetimeFigureOut">
               <a:rPr lang="cs-CZ" smtClean="0"/>
-              <a:t>06.09.2021</a:t>
+              <a:t>06.10.2021</a:t>
             </a:fld>
             <a:endParaRPr lang="cs-CZ"/>
           </a:p>
@@ -2240,7 +2245,7 @@
           <a:p>
             <a:fld id="{E0B5E809-82C1-43DB-91F2-B778E20AD69D}" type="datetimeFigureOut">
               <a:rPr lang="cs-CZ" smtClean="0"/>
-              <a:t>06.09.2021</a:t>
+              <a:t>06.10.2021</a:t>
             </a:fld>
             <a:endParaRPr lang="cs-CZ"/>
           </a:p>
@@ -2335,7 +2340,7 @@
           <a:p>
             <a:fld id="{E0B5E809-82C1-43DB-91F2-B778E20AD69D}" type="datetimeFigureOut">
               <a:rPr lang="cs-CZ" smtClean="0"/>
-              <a:t>06.09.2021</a:t>
+              <a:t>06.10.2021</a:t>
             </a:fld>
             <a:endParaRPr lang="cs-CZ"/>
           </a:p>
@@ -2681,7 +2686,7 @@
           <a:p>
             <a:fld id="{E0B5E809-82C1-43DB-91F2-B778E20AD69D}" type="datetimeFigureOut">
               <a:rPr lang="cs-CZ" smtClean="0"/>
-              <a:t>06.09.2021</a:t>
+              <a:t>06.10.2021</a:t>
             </a:fld>
             <a:endParaRPr lang="cs-CZ"/>
           </a:p>
@@ -3069,7 +3074,7 @@
           <a:p>
             <a:fld id="{E0B5E809-82C1-43DB-91F2-B778E20AD69D}" type="datetimeFigureOut">
               <a:rPr lang="cs-CZ" smtClean="0"/>
-              <a:t>06.09.2021</a:t>
+              <a:t>06.10.2021</a:t>
             </a:fld>
             <a:endParaRPr lang="cs-CZ"/>
           </a:p>
@@ -3347,7 +3352,7 @@
           <a:p>
             <a:fld id="{E0B5E809-82C1-43DB-91F2-B778E20AD69D}" type="datetimeFigureOut">
               <a:rPr lang="cs-CZ" smtClean="0"/>
-              <a:t>06.09.2021</a:t>
+              <a:t>06.10.2021</a:t>
             </a:fld>
             <a:endParaRPr lang="cs-CZ"/>
           </a:p>
@@ -6667,7 +6672,15 @@
           <a:p>
             <a:r>
               <a:rPr lang="cs-CZ" dirty="0"/>
-              <a:t>Před několikapatrovou budovou bylo nalezeno ženské tělo bez známek života. Na první pohled to vypadá, že žena spáchala sebevraždu skokem z jednoho z pater. Na místo přijíždí detektiv. Jde do prvního patra budovy, otevře a zase zavře okno a hodí minci na podlahu. Jde do druhého patra a udělá to samé. Tuto činnost opakuje ve všech patrech budovy, včetně toho nejvyššího. Když se vrátí dolů, prohlásí, že si je jistý, že nejde o sebevraždu, ale ve skutečnosti se stala vražda. </a:t>
+              <a:t>Před několikapatrovou budovou bylo nalezeno ženské tělo bez známek života. Na první pohled to vypadá, že žena spáchala sebevraždu skokem z jednoho z pater. Na místo přijíždí detektiv. Jde do prvního patra budovy, otevře okno a hodí dolů minci a kouká kam dopadne a pak zase </a:t>
+            </a:r>
+            <a:r>
+              <a:rPr lang="cs-CZ"/>
+              <a:t>okno zavře.. </a:t>
+            </a:r>
+            <a:r>
+              <a:rPr lang="cs-CZ" dirty="0"/>
+              <a:t>Jde do druhého patra a udělá to samé. Tuto činnost opakuje ve všech patrech budovy, včetně toho nejvyššího. Když se vrátí dolů, prohlásí, že si je jistý, že nejde o sebevraždu, ale ve skutečnosti se stala vražda. </a:t>
             </a:r>
           </a:p>
           <a:p>
